--- a/presentation_documentation.pptx
+++ b/presentation_documentation.pptx
@@ -5,7 +5,7 @@
     <p:sldMasterId id="2147483648" r:id="rId1"/>
   </p:sldMasterIdLst>
   <p:notesMasterIdLst>
-    <p:notesMasterId r:id="rId17"/>
+    <p:notesMasterId r:id="rId18"/>
   </p:notesMasterIdLst>
   <p:sldIdLst>
     <p:sldId id="267" r:id="rId2"/>
@@ -23,6 +23,7 @@
     <p:sldId id="274" r:id="rId14"/>
     <p:sldId id="275" r:id="rId15"/>
     <p:sldId id="276" r:id="rId16"/>
+    <p:sldId id="277" r:id="rId17"/>
   </p:sldIdLst>
   <p:sldSz cx="12192000" cy="6858000"/>
   <p:notesSz cx="6858000" cy="9144000"/>
@@ -3864,173 +3865,6 @@
           </a:p>
         </p:txBody>
       </p:sp>
-      <p:sp>
-        <p:nvSpPr>
-          <p:cNvPr id="7" name="BlokTextu 6">
-            <a:extLst>
-              <a:ext uri="{FF2B5EF4-FFF2-40B4-BE49-F238E27FC236}">
-                <a16:creationId xmlns:a16="http://schemas.microsoft.com/office/drawing/2014/main" id="{78EC72CC-14B4-5334-F8E1-5D545BC47C95}"/>
-              </a:ext>
-            </a:extLst>
-          </p:cNvPr>
-          <p:cNvSpPr txBox="1"/>
-          <p:nvPr/>
-        </p:nvSpPr>
-        <p:spPr>
-          <a:xfrm>
-            <a:off x="6466536" y="5228026"/>
-            <a:ext cx="6097424" cy="1477328"/>
-          </a:xfrm>
-          <a:prstGeom prst="rect">
-            <a:avLst/>
-          </a:prstGeom>
-          <a:noFill/>
-        </p:spPr>
-        <p:txBody>
-          <a:bodyPr wrap="square">
-            <a:spAutoFit/>
-          </a:bodyPr>
-          <a:lstStyle/>
-          <a:p>
-            <a:r>
-              <a:rPr lang="sk-SK" b="0" i="0" dirty="0">
-                <a:solidFill>
-                  <a:srgbClr val="363A3D"/>
-                </a:solidFill>
-                <a:effectLst/>
-                <a:latin typeface="Source Sans Pro" panose="020B0503030403020204" pitchFamily="34" charset="0"/>
-                <a:hlinkClick r:id="rId2"/>
-              </a:rPr>
-              <a:t>https://api.wandb.ai/links/r-szarka/q5gr5cww</a:t>
-            </a:r>
-            <a:r>
-              <a:rPr lang="sk-SK" b="0" i="0" dirty="0">
-                <a:solidFill>
-                  <a:srgbClr val="363A3D"/>
-                </a:solidFill>
-                <a:effectLst/>
-                <a:latin typeface="Source Sans Pro" panose="020B0503030403020204" pitchFamily="34" charset="0"/>
-              </a:rPr>
-              <a:t> - </a:t>
-            </a:r>
-            <a:r>
-              <a:rPr lang="sk-SK" b="0" i="0" dirty="0" err="1">
-                <a:solidFill>
-                  <a:srgbClr val="363A3D"/>
-                </a:solidFill>
-                <a:effectLst/>
-                <a:latin typeface="Source Sans Pro" panose="020B0503030403020204" pitchFamily="34" charset="0"/>
-              </a:rPr>
-              <a:t>sweep</a:t>
-            </a:r>
-            <a:endParaRPr lang="sk-SK" b="0" i="0" dirty="0">
-              <a:solidFill>
-                <a:srgbClr val="363A3D"/>
-              </a:solidFill>
-              <a:effectLst/>
-              <a:latin typeface="Source Sans Pro" panose="020B0503030403020204" pitchFamily="34" charset="0"/>
-            </a:endParaRPr>
-          </a:p>
-          <a:p>
-            <a:endParaRPr lang="sk-SK" b="0" i="0" dirty="0">
-              <a:solidFill>
-                <a:srgbClr val="363A3D"/>
-              </a:solidFill>
-              <a:effectLst/>
-              <a:latin typeface="Source Sans Pro" panose="020B0503030403020204" pitchFamily="34" charset="0"/>
-            </a:endParaRPr>
-          </a:p>
-          <a:p>
-            <a:r>
-              <a:rPr lang="sk-SK" b="0" i="0" dirty="0">
-                <a:solidFill>
-                  <a:srgbClr val="363A3D"/>
-                </a:solidFill>
-                <a:effectLst/>
-                <a:latin typeface="Source Sans Pro" panose="020B0503030403020204" pitchFamily="34" charset="0"/>
-                <a:hlinkClick r:id="rId3"/>
-              </a:rPr>
-              <a:t>https://api.wandb.ai/links/r-szarka/ou5z1ct2</a:t>
-            </a:r>
-            <a:r>
-              <a:rPr lang="sk-SK" dirty="0">
-                <a:solidFill>
-                  <a:srgbClr val="363A3D"/>
-                </a:solidFill>
-                <a:latin typeface="Source Sans Pro" panose="020B0503030403020204" pitchFamily="34" charset="0"/>
-              </a:rPr>
-              <a:t> - </a:t>
-            </a:r>
-            <a:r>
-              <a:rPr lang="sk-SK" dirty="0" err="1">
-                <a:solidFill>
-                  <a:srgbClr val="363A3D"/>
-                </a:solidFill>
-                <a:latin typeface="Source Sans Pro" panose="020B0503030403020204" pitchFamily="34" charset="0"/>
-              </a:rPr>
-              <a:t>multiclass</a:t>
-            </a:r>
-            <a:endParaRPr lang="sk-SK" dirty="0">
-              <a:solidFill>
-                <a:srgbClr val="363A3D"/>
-              </a:solidFill>
-              <a:latin typeface="Source Sans Pro" panose="020B0503030403020204" pitchFamily="34" charset="0"/>
-            </a:endParaRPr>
-          </a:p>
-          <a:p>
-            <a:endParaRPr lang="sk-SK" dirty="0">
-              <a:solidFill>
-                <a:srgbClr val="363A3D"/>
-              </a:solidFill>
-              <a:latin typeface="Source Sans Pro" panose="020B0503030403020204" pitchFamily="34" charset="0"/>
-            </a:endParaRPr>
-          </a:p>
-          <a:p>
-            <a:r>
-              <a:rPr lang="sk-SK" b="0" i="0" dirty="0">
-                <a:solidFill>
-                  <a:srgbClr val="363A3D"/>
-                </a:solidFill>
-                <a:effectLst/>
-                <a:latin typeface="Source Sans Pro" panose="020B0503030403020204" pitchFamily="34" charset="0"/>
-                <a:hlinkClick r:id="rId4"/>
-              </a:rPr>
-              <a:t>https://api.wandb.ai/links/r-szarka/uoiclrgf</a:t>
-            </a:r>
-            <a:r>
-              <a:rPr lang="sk-SK" b="0" i="0" dirty="0">
-                <a:solidFill>
-                  <a:srgbClr val="363A3D"/>
-                </a:solidFill>
-                <a:effectLst/>
-                <a:latin typeface="Source Sans Pro" panose="020B0503030403020204" pitchFamily="34" charset="0"/>
-              </a:rPr>
-              <a:t> - </a:t>
-            </a:r>
-            <a:r>
-              <a:rPr lang="sk-SK" b="0" i="0" dirty="0" err="1">
-                <a:solidFill>
-                  <a:srgbClr val="363A3D"/>
-                </a:solidFill>
-                <a:effectLst/>
-                <a:latin typeface="Source Sans Pro" panose="020B0503030403020204" pitchFamily="34" charset="0"/>
-              </a:rPr>
-              <a:t>binary</a:t>
-            </a:r>
-            <a:r>
-              <a:rPr lang="sk-SK" b="0" i="0" dirty="0">
-                <a:solidFill>
-                  <a:srgbClr val="363A3D"/>
-                </a:solidFill>
-                <a:effectLst/>
-                <a:latin typeface="Source Sans Pro" panose="020B0503030403020204" pitchFamily="34" charset="0"/>
-              </a:rPr>
-              <a:t> </a:t>
-            </a:r>
-            <a:endParaRPr lang="sk-SK" dirty="0"/>
-          </a:p>
-        </p:txBody>
-      </p:sp>
     </p:spTree>
     <p:extLst>
       <p:ext uri="{BB962C8B-B14F-4D97-AF65-F5344CB8AC3E}">
@@ -5371,6 +5205,297 @@
     <p:extLst>
       <p:ext uri="{BB962C8B-B14F-4D97-AF65-F5344CB8AC3E}">
         <p14:creationId xmlns:p14="http://schemas.microsoft.com/office/powerpoint/2010/main" val="2420814543"/>
+      </p:ext>
+    </p:extLst>
+  </p:cSld>
+  <p:clrMapOvr>
+    <a:masterClrMapping/>
+  </p:clrMapOvr>
+</p:sld>
+</file>
+
+<file path=ppt/slides/slide16.xml><?xml version="1.0" encoding="utf-8"?>
+<p:sld xmlns:a="http://schemas.openxmlformats.org/drawingml/2006/main" xmlns:r="http://schemas.openxmlformats.org/officeDocument/2006/relationships" xmlns:p="http://schemas.openxmlformats.org/presentationml/2006/main">
+  <p:cSld>
+    <p:spTree>
+      <p:nvGrpSpPr>
+        <p:cNvPr id="1" name=""/>
+        <p:cNvGrpSpPr/>
+        <p:nvPr/>
+      </p:nvGrpSpPr>
+      <p:grpSpPr>
+        <a:xfrm>
+          <a:off x="0" y="0"/>
+          <a:ext cx="0" cy="0"/>
+          <a:chOff x="0" y="0"/>
+          <a:chExt cx="0" cy="0"/>
+        </a:xfrm>
+      </p:grpSpPr>
+      <p:sp>
+        <p:nvSpPr>
+          <p:cNvPr id="4" name="BlokTextu 3">
+            <a:extLst>
+              <a:ext uri="{FF2B5EF4-FFF2-40B4-BE49-F238E27FC236}">
+                <a16:creationId xmlns:a16="http://schemas.microsoft.com/office/drawing/2014/main" id="{FC37C926-E724-9815-F298-325D73F0360F}"/>
+              </a:ext>
+            </a:extLst>
+          </p:cNvPr>
+          <p:cNvSpPr txBox="1"/>
+          <p:nvPr/>
+        </p:nvSpPr>
+        <p:spPr>
+          <a:xfrm>
+            <a:off x="3880908" y="208670"/>
+            <a:ext cx="5061001" cy="707886"/>
+          </a:xfrm>
+          <a:prstGeom prst="rect">
+            <a:avLst/>
+          </a:prstGeom>
+          <a:noFill/>
+        </p:spPr>
+        <p:txBody>
+          <a:bodyPr wrap="none" rtlCol="0">
+            <a:spAutoFit/>
+          </a:bodyPr>
+          <a:lstStyle/>
+          <a:p>
+            <a:r>
+              <a:rPr lang="sk-SK" sz="4000" dirty="0" err="1">
+                <a:latin typeface="Arial" panose="020B0604020202020204" pitchFamily="34" charset="0"/>
+                <a:cs typeface="Arial" panose="020B0604020202020204" pitchFamily="34" charset="0"/>
+              </a:rPr>
+              <a:t>Useful</a:t>
+            </a:r>
+            <a:r>
+              <a:rPr lang="sk-SK" sz="4000" dirty="0">
+                <a:latin typeface="Arial" panose="020B0604020202020204" pitchFamily="34" charset="0"/>
+                <a:cs typeface="Arial" panose="020B0604020202020204" pitchFamily="34" charset="0"/>
+              </a:rPr>
+              <a:t> </a:t>
+            </a:r>
+            <a:r>
+              <a:rPr lang="sk-SK" sz="4000" dirty="0" err="1">
+                <a:latin typeface="Arial" panose="020B0604020202020204" pitchFamily="34" charset="0"/>
+                <a:cs typeface="Arial" panose="020B0604020202020204" pitchFamily="34" charset="0"/>
+              </a:rPr>
+              <a:t>links</a:t>
+            </a:r>
+            <a:r>
+              <a:rPr lang="sk-SK" sz="4000" dirty="0">
+                <a:latin typeface="Arial" panose="020B0604020202020204" pitchFamily="34" charset="0"/>
+                <a:cs typeface="Arial" panose="020B0604020202020204" pitchFamily="34" charset="0"/>
+              </a:rPr>
+              <a:t> to </a:t>
+            </a:r>
+            <a:r>
+              <a:rPr lang="sk-SK" sz="4000" dirty="0" err="1">
+                <a:latin typeface="Arial" panose="020B0604020202020204" pitchFamily="34" charset="0"/>
+                <a:cs typeface="Arial" panose="020B0604020202020204" pitchFamily="34" charset="0"/>
+              </a:rPr>
+              <a:t>project</a:t>
+            </a:r>
+            <a:endParaRPr lang="sk-SK" sz="4000" dirty="0">
+              <a:latin typeface="Arial" panose="020B0604020202020204" pitchFamily="34" charset="0"/>
+              <a:cs typeface="Arial" panose="020B0604020202020204" pitchFamily="34" charset="0"/>
+            </a:endParaRPr>
+          </a:p>
+        </p:txBody>
+      </p:sp>
+      <p:sp>
+        <p:nvSpPr>
+          <p:cNvPr id="5" name="BlokTextu 4">
+            <a:extLst>
+              <a:ext uri="{FF2B5EF4-FFF2-40B4-BE49-F238E27FC236}">
+                <a16:creationId xmlns:a16="http://schemas.microsoft.com/office/drawing/2014/main" id="{D3936493-81E9-EC6A-FD16-5C40003CFD3C}"/>
+              </a:ext>
+            </a:extLst>
+          </p:cNvPr>
+          <p:cNvSpPr txBox="1"/>
+          <p:nvPr/>
+        </p:nvSpPr>
+        <p:spPr>
+          <a:xfrm>
+            <a:off x="1390334" y="1450785"/>
+            <a:ext cx="6097424" cy="2031325"/>
+          </a:xfrm>
+          <a:prstGeom prst="rect">
+            <a:avLst/>
+          </a:prstGeom>
+          <a:noFill/>
+        </p:spPr>
+        <p:txBody>
+          <a:bodyPr wrap="square">
+            <a:spAutoFit/>
+          </a:bodyPr>
+          <a:lstStyle/>
+          <a:p>
+            <a:r>
+              <a:rPr lang="sk-SK" b="0" i="0" dirty="0">
+                <a:solidFill>
+                  <a:srgbClr val="363A3D"/>
+                </a:solidFill>
+                <a:effectLst/>
+                <a:latin typeface="Source Sans Pro" panose="020B0503030403020204" pitchFamily="34" charset="0"/>
+                <a:hlinkClick r:id="rId2"/>
+              </a:rPr>
+              <a:t>https://api.wandb.ai/links/r-szarka/q5gr5cww</a:t>
+            </a:r>
+            <a:r>
+              <a:rPr lang="sk-SK" b="0" i="0" dirty="0">
+                <a:solidFill>
+                  <a:srgbClr val="363A3D"/>
+                </a:solidFill>
+                <a:effectLst/>
+                <a:latin typeface="Source Sans Pro" panose="020B0503030403020204" pitchFamily="34" charset="0"/>
+              </a:rPr>
+              <a:t> - </a:t>
+            </a:r>
+            <a:r>
+              <a:rPr lang="sk-SK" b="0" i="0" dirty="0" err="1">
+                <a:solidFill>
+                  <a:srgbClr val="363A3D"/>
+                </a:solidFill>
+                <a:effectLst/>
+                <a:latin typeface="Source Sans Pro" panose="020B0503030403020204" pitchFamily="34" charset="0"/>
+              </a:rPr>
+              <a:t>sweep</a:t>
+            </a:r>
+            <a:endParaRPr lang="sk-SK" b="0" i="0" dirty="0">
+              <a:solidFill>
+                <a:srgbClr val="363A3D"/>
+              </a:solidFill>
+              <a:effectLst/>
+              <a:latin typeface="Source Sans Pro" panose="020B0503030403020204" pitchFamily="34" charset="0"/>
+            </a:endParaRPr>
+          </a:p>
+          <a:p>
+            <a:endParaRPr lang="sk-SK" b="0" i="0" dirty="0">
+              <a:solidFill>
+                <a:srgbClr val="363A3D"/>
+              </a:solidFill>
+              <a:effectLst/>
+              <a:latin typeface="Source Sans Pro" panose="020B0503030403020204" pitchFamily="34" charset="0"/>
+            </a:endParaRPr>
+          </a:p>
+          <a:p>
+            <a:r>
+              <a:rPr lang="sk-SK" b="0" i="0" dirty="0">
+                <a:solidFill>
+                  <a:srgbClr val="363A3D"/>
+                </a:solidFill>
+                <a:effectLst/>
+                <a:latin typeface="Source Sans Pro" panose="020B0503030403020204" pitchFamily="34" charset="0"/>
+                <a:hlinkClick r:id="rId3"/>
+              </a:rPr>
+              <a:t>https://api.wandb.ai/links/r-szarka/ou5z1ct2</a:t>
+            </a:r>
+            <a:r>
+              <a:rPr lang="sk-SK" dirty="0">
+                <a:solidFill>
+                  <a:srgbClr val="363A3D"/>
+                </a:solidFill>
+                <a:latin typeface="Source Sans Pro" panose="020B0503030403020204" pitchFamily="34" charset="0"/>
+              </a:rPr>
+              <a:t> - </a:t>
+            </a:r>
+            <a:r>
+              <a:rPr lang="sk-SK" dirty="0" err="1">
+                <a:solidFill>
+                  <a:srgbClr val="363A3D"/>
+                </a:solidFill>
+                <a:latin typeface="Source Sans Pro" panose="020B0503030403020204" pitchFamily="34" charset="0"/>
+              </a:rPr>
+              <a:t>multiclass</a:t>
+            </a:r>
+            <a:endParaRPr lang="sk-SK" dirty="0">
+              <a:solidFill>
+                <a:srgbClr val="363A3D"/>
+              </a:solidFill>
+              <a:latin typeface="Source Sans Pro" panose="020B0503030403020204" pitchFamily="34" charset="0"/>
+            </a:endParaRPr>
+          </a:p>
+          <a:p>
+            <a:endParaRPr lang="sk-SK" dirty="0">
+              <a:solidFill>
+                <a:srgbClr val="363A3D"/>
+              </a:solidFill>
+              <a:latin typeface="Source Sans Pro" panose="020B0503030403020204" pitchFamily="34" charset="0"/>
+            </a:endParaRPr>
+          </a:p>
+          <a:p>
+            <a:r>
+              <a:rPr lang="sk-SK" b="0" i="0" dirty="0">
+                <a:solidFill>
+                  <a:srgbClr val="363A3D"/>
+                </a:solidFill>
+                <a:effectLst/>
+                <a:latin typeface="Source Sans Pro" panose="020B0503030403020204" pitchFamily="34" charset="0"/>
+                <a:hlinkClick r:id="rId4"/>
+              </a:rPr>
+              <a:t>https://api.wandb.ai/links/r-szarka/uoiclrgf</a:t>
+            </a:r>
+            <a:r>
+              <a:rPr lang="sk-SK" b="0" i="0" dirty="0">
+                <a:solidFill>
+                  <a:srgbClr val="363A3D"/>
+                </a:solidFill>
+                <a:effectLst/>
+                <a:latin typeface="Source Sans Pro" panose="020B0503030403020204" pitchFamily="34" charset="0"/>
+              </a:rPr>
+              <a:t> - </a:t>
+            </a:r>
+            <a:r>
+              <a:rPr lang="sk-SK" b="0" i="0" dirty="0" err="1">
+                <a:solidFill>
+                  <a:srgbClr val="363A3D"/>
+                </a:solidFill>
+                <a:effectLst/>
+                <a:latin typeface="Source Sans Pro" panose="020B0503030403020204" pitchFamily="34" charset="0"/>
+              </a:rPr>
+              <a:t>binary</a:t>
+            </a:r>
+            <a:r>
+              <a:rPr lang="sk-SK" b="0" i="0" dirty="0">
+                <a:solidFill>
+                  <a:srgbClr val="363A3D"/>
+                </a:solidFill>
+                <a:effectLst/>
+                <a:latin typeface="Source Sans Pro" panose="020B0503030403020204" pitchFamily="34" charset="0"/>
+              </a:rPr>
+              <a:t> </a:t>
+            </a:r>
+          </a:p>
+          <a:p>
+            <a:endParaRPr lang="sk-SK" dirty="0">
+              <a:solidFill>
+                <a:srgbClr val="363A3D"/>
+              </a:solidFill>
+              <a:latin typeface="Source Sans Pro" panose="020B0503030403020204" pitchFamily="34" charset="0"/>
+            </a:endParaRPr>
+          </a:p>
+          <a:p>
+            <a:r>
+              <a:rPr lang="sk-SK" dirty="0">
+                <a:hlinkClick r:id="rId5"/>
+              </a:rPr>
+              <a:t>https://github.com/RichardSzarka/NN_project_1</a:t>
+            </a:r>
+            <a:r>
+              <a:rPr lang="sk-SK" dirty="0"/>
+              <a:t> - </a:t>
+            </a:r>
+            <a:r>
+              <a:rPr lang="sk-SK" dirty="0" err="1"/>
+              <a:t>github</a:t>
+            </a:r>
+            <a:endParaRPr lang="sk-SK" dirty="0"/>
+          </a:p>
+        </p:txBody>
+      </p:sp>
+    </p:spTree>
+    <p:extLst>
+      <p:ext uri="{BB962C8B-B14F-4D97-AF65-F5344CB8AC3E}">
+        <p14:creationId xmlns:p14="http://schemas.microsoft.com/office/powerpoint/2010/main" val="1875254989"/>
       </p:ext>
     </p:extLst>
   </p:cSld>
